--- a/papers/jon_mease/powerpoint/zoom_example.pptx
+++ b/papers/jon_mease/powerpoint/zoom_example.pptx
@@ -243,7 +243,7 @@
           <a:p>
             <a:fld id="{42C90B07-985A-2047-9BC7-9E0B0C92B340}" type="datetimeFigureOut">
               <a:rPr lang="en-US" smtClean="0"/>
-              <a:t>5/21/18</a:t>
+              <a:t>5/22/18</a:t>
             </a:fld>
             <a:endParaRPr lang="en-US"/>
           </a:p>
@@ -413,7 +413,7 @@
           <a:p>
             <a:fld id="{42C90B07-985A-2047-9BC7-9E0B0C92B340}" type="datetimeFigureOut">
               <a:rPr lang="en-US" smtClean="0"/>
-              <a:t>5/21/18</a:t>
+              <a:t>5/22/18</a:t>
             </a:fld>
             <a:endParaRPr lang="en-US"/>
           </a:p>
@@ -593,7 +593,7 @@
           <a:p>
             <a:fld id="{42C90B07-985A-2047-9BC7-9E0B0C92B340}" type="datetimeFigureOut">
               <a:rPr lang="en-US" smtClean="0"/>
-              <a:t>5/21/18</a:t>
+              <a:t>5/22/18</a:t>
             </a:fld>
             <a:endParaRPr lang="en-US"/>
           </a:p>
@@ -763,7 +763,7 @@
           <a:p>
             <a:fld id="{42C90B07-985A-2047-9BC7-9E0B0C92B340}" type="datetimeFigureOut">
               <a:rPr lang="en-US" smtClean="0"/>
-              <a:t>5/21/18</a:t>
+              <a:t>5/22/18</a:t>
             </a:fld>
             <a:endParaRPr lang="en-US"/>
           </a:p>
@@ -1007,7 +1007,7 @@
           <a:p>
             <a:fld id="{42C90B07-985A-2047-9BC7-9E0B0C92B340}" type="datetimeFigureOut">
               <a:rPr lang="en-US" smtClean="0"/>
-              <a:t>5/21/18</a:t>
+              <a:t>5/22/18</a:t>
             </a:fld>
             <a:endParaRPr lang="en-US"/>
           </a:p>
@@ -1239,7 +1239,7 @@
           <a:p>
             <a:fld id="{42C90B07-985A-2047-9BC7-9E0B0C92B340}" type="datetimeFigureOut">
               <a:rPr lang="en-US" smtClean="0"/>
-              <a:t>5/21/18</a:t>
+              <a:t>5/22/18</a:t>
             </a:fld>
             <a:endParaRPr lang="en-US"/>
           </a:p>
@@ -1606,7 +1606,7 @@
           <a:p>
             <a:fld id="{42C90B07-985A-2047-9BC7-9E0B0C92B340}" type="datetimeFigureOut">
               <a:rPr lang="en-US" smtClean="0"/>
-              <a:t>5/21/18</a:t>
+              <a:t>5/22/18</a:t>
             </a:fld>
             <a:endParaRPr lang="en-US"/>
           </a:p>
@@ -1724,7 +1724,7 @@
           <a:p>
             <a:fld id="{42C90B07-985A-2047-9BC7-9E0B0C92B340}" type="datetimeFigureOut">
               <a:rPr lang="en-US" smtClean="0"/>
-              <a:t>5/21/18</a:t>
+              <a:t>5/22/18</a:t>
             </a:fld>
             <a:endParaRPr lang="en-US"/>
           </a:p>
@@ -1819,7 +1819,7 @@
           <a:p>
             <a:fld id="{42C90B07-985A-2047-9BC7-9E0B0C92B340}" type="datetimeFigureOut">
               <a:rPr lang="en-US" smtClean="0"/>
-              <a:t>5/21/18</a:t>
+              <a:t>5/22/18</a:t>
             </a:fld>
             <a:endParaRPr lang="en-US"/>
           </a:p>
@@ -2096,7 +2096,7 @@
           <a:p>
             <a:fld id="{42C90B07-985A-2047-9BC7-9E0B0C92B340}" type="datetimeFigureOut">
               <a:rPr lang="en-US" smtClean="0"/>
-              <a:t>5/21/18</a:t>
+              <a:t>5/22/18</a:t>
             </a:fld>
             <a:endParaRPr lang="en-US"/>
           </a:p>
@@ -2353,7 +2353,7 @@
           <a:p>
             <a:fld id="{42C90B07-985A-2047-9BC7-9E0B0C92B340}" type="datetimeFigureOut">
               <a:rPr lang="en-US" smtClean="0"/>
-              <a:t>5/21/18</a:t>
+              <a:t>5/22/18</a:t>
             </a:fld>
             <a:endParaRPr lang="en-US"/>
           </a:p>
@@ -2566,7 +2566,7 @@
           <a:p>
             <a:fld id="{42C90B07-985A-2047-9BC7-9E0B0C92B340}" type="datetimeFigureOut">
               <a:rPr lang="en-US" smtClean="0"/>
-              <a:t>5/21/18</a:t>
+              <a:t>5/22/18</a:t>
             </a:fld>
             <a:endParaRPr lang="en-US"/>
           </a:p>
@@ -4565,7 +4565,7 @@
                 <a:latin typeface="Courier New" panose="02070309020205020404" pitchFamily="49" charset="0"/>
                 <a:cs typeface="Courier New" panose="02070309020205020404" pitchFamily="49" charset="0"/>
               </a:rPr>
-              <a:t>{'</a:t>
+              <a:t>{"</a:t>
             </a:r>
             <a:r>
               <a:rPr lang="en-US" sz="800" dirty="0" err="1">
@@ -4579,16 +4579,16 @@
                 <a:latin typeface="Courier New" panose="02070309020205020404" pitchFamily="49" charset="0"/>
                 <a:cs typeface="Courier New" panose="02070309020205020404" pitchFamily="49" charset="0"/>
               </a:rPr>
-              <a:t>': [0, 1],</a:t>
-            </a:r>
-          </a:p>
-          <a:p>
-            <a:r>
-              <a:rPr lang="en-US" sz="800" dirty="0">
-                <a:latin typeface="Courier New" panose="02070309020205020404" pitchFamily="49" charset="0"/>
-                <a:cs typeface="Courier New" panose="02070309020205020404" pitchFamily="49" charset="0"/>
-              </a:rPr>
-              <a:t> '</a:t>
+              <a:t>": [0, 1],</a:t>
+            </a:r>
+          </a:p>
+          <a:p>
+            <a:r>
+              <a:rPr lang="en-US" sz="800" dirty="0">
+                <a:latin typeface="Courier New" panose="02070309020205020404" pitchFamily="49" charset="0"/>
+                <a:cs typeface="Courier New" panose="02070309020205020404" pitchFamily="49" charset="0"/>
+              </a:rPr>
+              <a:t> "</a:t>
             </a:r>
             <a:r>
               <a:rPr lang="en-US" sz="800" dirty="0" err="1">
@@ -4602,7 +4602,7 @@
                 <a:latin typeface="Courier New" panose="02070309020205020404" pitchFamily="49" charset="0"/>
                 <a:cs typeface="Courier New" panose="02070309020205020404" pitchFamily="49" charset="0"/>
               </a:rPr>
-              <a:t>': [1.5, 2.5]}</a:t>
+              <a:t>": [1.5, 2.5]}</a:t>
             </a:r>
           </a:p>
         </p:txBody>
